--- a/M17-searches.pptx
+++ b/M17-searches.pptx
@@ -249,7 +249,7 @@
           <a:p>
             <a:fld id="{C787A165-4FDD-49E5-9F6D-D505BB88ABC6}" type="datetimeFigureOut">
               <a:rPr lang="en-US" smtClean="0"/>
-              <a:t>11/14/19</a:t>
+              <a:t>8/10/20</a:t>
             </a:fld>
             <a:endParaRPr lang="en-US"/>
           </a:p>
@@ -415,7 +415,7 @@
           <a:p>
             <a:fld id="{5D612DD9-5214-4F09-A917-0755DC49A4D5}" type="datetimeFigureOut">
               <a:rPr lang="en-US" smtClean="0"/>
-              <a:t>11/14/19</a:t>
+              <a:t>8/10/20</a:t>
             </a:fld>
             <a:endParaRPr lang="en-US"/>
           </a:p>
@@ -1096,7 +1096,7 @@
           </a:ln>
           <a:extLst>
             <a:ext uri="{909E8E84-426E-40dd-AFC4-6F175D3DCCD1}">
-              <a14:hiddenFill xmlns="" xmlns:a14="http://schemas.microsoft.com/office/drawing/2010/main">
+              <a14:hiddenFill xmlns:a14="http://schemas.microsoft.com/office/drawing/2010/main" xmlns="">
                 <a:solidFill>
                   <a:srgbClr val="FFFFFF"/>
                 </a:solidFill>
@@ -1142,7 +1142,7 @@
           </a:ln>
           <a:extLst>
             <a:ext uri="{909E8E84-426E-40dd-AFC4-6F175D3DCCD1}">
-              <a14:hiddenFill xmlns="" xmlns:a14="http://schemas.microsoft.com/office/drawing/2010/main">
+              <a14:hiddenFill xmlns:a14="http://schemas.microsoft.com/office/drawing/2010/main" xmlns="">
                 <a:solidFill>
                   <a:srgbClr val="FFFFFF"/>
                 </a:solidFill>
@@ -1188,7 +1188,7 @@
           </a:ln>
           <a:extLst>
             <a:ext uri="{909E8E84-426E-40dd-AFC4-6F175D3DCCD1}">
-              <a14:hiddenFill xmlns="" xmlns:a14="http://schemas.microsoft.com/office/drawing/2010/main">
+              <a14:hiddenFill xmlns:a14="http://schemas.microsoft.com/office/drawing/2010/main" xmlns="">
                 <a:solidFill>
                   <a:srgbClr val="FFFFFF"/>
                 </a:solidFill>
@@ -1232,7 +1232,7 @@
           </a:ln>
           <a:extLst>
             <a:ext uri="{909E8E84-426E-40dd-AFC4-6F175D3DCCD1}">
-              <a14:hiddenFill xmlns="" xmlns:a14="http://schemas.microsoft.com/office/drawing/2010/main">
+              <a14:hiddenFill xmlns:a14="http://schemas.microsoft.com/office/drawing/2010/main" xmlns="">
                 <a:solidFill>
                   <a:srgbClr val="FFFFFF"/>
                 </a:solidFill>
@@ -1278,7 +1278,7 @@
           </a:ln>
           <a:extLst>
             <a:ext uri="{909E8E84-426E-40dd-AFC4-6F175D3DCCD1}">
-              <a14:hiddenFill xmlns="" xmlns:a14="http://schemas.microsoft.com/office/drawing/2010/main">
+              <a14:hiddenFill xmlns:a14="http://schemas.microsoft.com/office/drawing/2010/main" xmlns="">
                 <a:solidFill>
                   <a:srgbClr val="FFFFFF"/>
                 </a:solidFill>
@@ -1324,7 +1324,7 @@
           </a:ln>
           <a:extLst>
             <a:ext uri="{909E8E84-426E-40dd-AFC4-6F175D3DCCD1}">
-              <a14:hiddenFill xmlns="" xmlns:a14="http://schemas.microsoft.com/office/drawing/2010/main">
+              <a14:hiddenFill xmlns:a14="http://schemas.microsoft.com/office/drawing/2010/main" xmlns="">
                 <a:solidFill>
                   <a:srgbClr val="FFFFFF"/>
                 </a:solidFill>
@@ -4758,7 +4758,7 @@
           </a:ln>
           <a:extLst>
             <a:ext uri="{909E8E84-426E-40dd-AFC4-6F175D3DCCD1}">
-              <a14:hiddenFill xmlns="" xmlns:a14="http://schemas.microsoft.com/office/drawing/2010/main">
+              <a14:hiddenFill xmlns:a14="http://schemas.microsoft.com/office/drawing/2010/main" xmlns="">
                 <a:solidFill>
                   <a:srgbClr val="FFFFFF"/>
                 </a:solidFill>
@@ -4804,7 +4804,7 @@
           </a:ln>
           <a:extLst>
             <a:ext uri="{909E8E84-426E-40dd-AFC4-6F175D3DCCD1}">
-              <a14:hiddenFill xmlns="" xmlns:a14="http://schemas.microsoft.com/office/drawing/2010/main">
+              <a14:hiddenFill xmlns:a14="http://schemas.microsoft.com/office/drawing/2010/main" xmlns="">
                 <a:solidFill>
                   <a:srgbClr val="FFFFFF"/>
                 </a:solidFill>
@@ -4850,7 +4850,7 @@
           </a:ln>
           <a:extLst>
             <a:ext uri="{909E8E84-426E-40dd-AFC4-6F175D3DCCD1}">
-              <a14:hiddenFill xmlns="" xmlns:a14="http://schemas.microsoft.com/office/drawing/2010/main">
+              <a14:hiddenFill xmlns:a14="http://schemas.microsoft.com/office/drawing/2010/main" xmlns="">
                 <a:solidFill>
                   <a:srgbClr val="FFFFFF"/>
                 </a:solidFill>
@@ -4894,7 +4894,7 @@
           </a:ln>
           <a:extLst>
             <a:ext uri="{909E8E84-426E-40dd-AFC4-6F175D3DCCD1}">
-              <a14:hiddenFill xmlns="" xmlns:a14="http://schemas.microsoft.com/office/drawing/2010/main">
+              <a14:hiddenFill xmlns:a14="http://schemas.microsoft.com/office/drawing/2010/main" xmlns="">
                 <a:solidFill>
                   <a:srgbClr val="FFFFFF"/>
                 </a:solidFill>
@@ -4940,7 +4940,7 @@
           </a:ln>
           <a:extLst>
             <a:ext uri="{909E8E84-426E-40dd-AFC4-6F175D3DCCD1}">
-              <a14:hiddenFill xmlns="" xmlns:a14="http://schemas.microsoft.com/office/drawing/2010/main">
+              <a14:hiddenFill xmlns:a14="http://schemas.microsoft.com/office/drawing/2010/main" xmlns="">
                 <a:solidFill>
                   <a:srgbClr val="FFFFFF"/>
                 </a:solidFill>
@@ -4986,7 +4986,7 @@
           </a:ln>
           <a:extLst>
             <a:ext uri="{909E8E84-426E-40dd-AFC4-6F175D3DCCD1}">
-              <a14:hiddenFill xmlns="" xmlns:a14="http://schemas.microsoft.com/office/drawing/2010/main">
+              <a14:hiddenFill xmlns:a14="http://schemas.microsoft.com/office/drawing/2010/main" xmlns="">
                 <a:solidFill>
                   <a:srgbClr val="FFFFFF"/>
                 </a:solidFill>
@@ -7178,7 +7178,7 @@
           <a:p>
             <a:fld id="{6E39BF48-6E0A-4E37-BB05-8DF70571673D}" type="datetimeFigureOut">
               <a:rPr lang="en-US" smtClean="0"/>
-              <a:t>11/14/19</a:t>
+              <a:t>8/10/20</a:t>
             </a:fld>
             <a:endParaRPr lang="en-US"/>
           </a:p>
@@ -12533,8 +12533,8 @@
           <a:chExt cx="0" cy="0"/>
         </a:xfrm>
       </p:grpSpPr>
-      <mc:AlternateContent xmlns:mc="http://schemas.openxmlformats.org/markup-compatibility/2006">
-        <mc:Choice xmlns:a14="http://schemas.microsoft.com/office/drawing/2010/main" Requires="a14">
+      <mc:AlternateContent xmlns:mc="http://schemas.openxmlformats.org/markup-compatibility/2006" xmlns:a14="http://schemas.microsoft.com/office/drawing/2010/main">
+        <mc:Choice Requires="a14">
           <p:sp>
             <p:nvSpPr>
               <p:cNvPr id="2" name="Content Placeholder 1">
@@ -12797,7 +12797,7 @@
             </p:txBody>
           </p:sp>
         </mc:Choice>
-        <mc:Fallback>
+        <mc:Fallback xmlns="">
           <p:sp>
             <p:nvSpPr>
               <p:cNvPr id="2" name="Content Placeholder 1">
@@ -22385,8 +22385,8 @@
           <a:chExt cx="0" cy="0"/>
         </a:xfrm>
       </p:grpSpPr>
-      <mc:AlternateContent xmlns:mc="http://schemas.openxmlformats.org/markup-compatibility/2006">
-        <mc:Choice xmlns:a14="http://schemas.microsoft.com/office/drawing/2010/main" Requires="a14">
+      <mc:AlternateContent xmlns:mc="http://schemas.openxmlformats.org/markup-compatibility/2006" xmlns:a14="http://schemas.microsoft.com/office/drawing/2010/main">
+        <mc:Choice Requires="a14">
           <p:sp>
             <p:nvSpPr>
               <p:cNvPr id="2" name="Content Placeholder 1">
@@ -22639,7 +22639,7 @@
             </p:txBody>
           </p:sp>
         </mc:Choice>
-        <mc:Fallback>
+        <mc:Fallback xmlns="">
           <p:sp>
             <p:nvSpPr>
               <p:cNvPr id="2" name="Content Placeholder 1">
@@ -26940,8 +26940,8 @@
           <a:chExt cx="0" cy="0"/>
         </a:xfrm>
       </p:grpSpPr>
-      <mc:AlternateContent xmlns:mc="http://schemas.openxmlformats.org/markup-compatibility/2006">
-        <mc:Choice xmlns:a14="http://schemas.microsoft.com/office/drawing/2010/main" Requires="a14">
+      <mc:AlternateContent xmlns:mc="http://schemas.openxmlformats.org/markup-compatibility/2006" xmlns:a14="http://schemas.microsoft.com/office/drawing/2010/main">
+        <mc:Choice Requires="a14">
           <p:sp>
             <p:nvSpPr>
               <p:cNvPr id="2" name="Content Placeholder 1">
@@ -27195,7 +27195,7 @@
             </p:txBody>
           </p:sp>
         </mc:Choice>
-        <mc:Fallback>
+        <mc:Fallback xmlns="">
           <p:sp>
             <p:nvSpPr>
               <p:cNvPr id="2" name="Content Placeholder 1">
@@ -46133,8 +46133,8 @@
           <a:chExt cx="0" cy="0"/>
         </a:xfrm>
       </p:grpSpPr>
-      <mc:AlternateContent xmlns:mc="http://schemas.openxmlformats.org/markup-compatibility/2006">
-        <mc:Choice xmlns:a14="http://schemas.microsoft.com/office/drawing/2010/main" Requires="a14">
+      <mc:AlternateContent xmlns:mc="http://schemas.openxmlformats.org/markup-compatibility/2006" xmlns:a14="http://schemas.microsoft.com/office/drawing/2010/main">
+        <mc:Choice Requires="a14">
           <p:sp>
             <p:nvSpPr>
               <p:cNvPr id="2" name="Content Placeholder 1">
@@ -46382,7 +46382,7 @@
             </p:txBody>
           </p:sp>
         </mc:Choice>
-        <mc:Fallback>
+        <mc:Fallback xmlns="">
           <p:sp>
             <p:nvSpPr>
               <p:cNvPr id="2" name="Content Placeholder 1">
@@ -46505,81 +46505,6 @@
           <a:chExt cx="0" cy="0"/>
         </a:xfrm>
       </p:grpSpPr>
-      <p:sp>
-        <p:nvSpPr>
-          <p:cNvPr id="2" name="Content Placeholder 1">
-            <a:extLst>
-              <a:ext uri="{FF2B5EF4-FFF2-40B4-BE49-F238E27FC236}">
-                <a16:creationId xmlns:a16="http://schemas.microsoft.com/office/drawing/2014/main" id="{E6AAFDAF-23B2-654E-AEE8-AB025C8A3FAA}"/>
-              </a:ext>
-            </a:extLst>
-          </p:cNvPr>
-          <p:cNvSpPr>
-            <a:spLocks noGrp="1"/>
-          </p:cNvSpPr>
-          <p:nvPr>
-            <p:ph sz="half" idx="1"/>
-          </p:nvPr>
-        </p:nvSpPr>
-        <p:spPr/>
-        <p:txBody>
-          <a:bodyPr/>
-          <a:lstStyle/>
-          <a:p>
-            <a:endParaRPr lang="en-US"/>
-          </a:p>
-        </p:txBody>
-      </p:sp>
-      <p:sp>
-        <p:nvSpPr>
-          <p:cNvPr id="3" name="Content Placeholder 2">
-            <a:extLst>
-              <a:ext uri="{FF2B5EF4-FFF2-40B4-BE49-F238E27FC236}">
-                <a16:creationId xmlns:a16="http://schemas.microsoft.com/office/drawing/2014/main" id="{A875F3E2-EFA0-7A42-91A1-C7D95A10B76F}"/>
-              </a:ext>
-            </a:extLst>
-          </p:cNvPr>
-          <p:cNvSpPr>
-            <a:spLocks noGrp="1"/>
-          </p:cNvSpPr>
-          <p:nvPr>
-            <p:ph sz="half" idx="10"/>
-          </p:nvPr>
-        </p:nvSpPr>
-        <p:spPr/>
-        <p:txBody>
-          <a:bodyPr/>
-          <a:lstStyle/>
-          <a:p>
-            <a:endParaRPr lang="en-US"/>
-          </a:p>
-        </p:txBody>
-      </p:sp>
-      <p:sp>
-        <p:nvSpPr>
-          <p:cNvPr id="4" name="Content Placeholder 3">
-            <a:extLst>
-              <a:ext uri="{FF2B5EF4-FFF2-40B4-BE49-F238E27FC236}">
-                <a16:creationId xmlns:a16="http://schemas.microsoft.com/office/drawing/2014/main" id="{EB7C6992-417E-1B4B-9A9C-3C3185B95CBA}"/>
-              </a:ext>
-            </a:extLst>
-          </p:cNvPr>
-          <p:cNvSpPr>
-            <a:spLocks noGrp="1"/>
-          </p:cNvSpPr>
-          <p:nvPr>
-            <p:ph sz="half" idx="11"/>
-          </p:nvPr>
-        </p:nvSpPr>
-        <p:spPr/>
-        <p:txBody>
-          <a:bodyPr/>
-          <a:lstStyle/>
-          <a:p>
-            <a:endParaRPr lang="en-US"/>
-          </a:p>
-        </p:txBody>
-      </p:sp>
     </p:spTree>
     <p:extLst>
       <p:ext uri="{BB962C8B-B14F-4D97-AF65-F5344CB8AC3E}">
